--- a/DataScienceGuidedCapstone/Step Six - Documentation/Guided Capstone Project Report.pptx
+++ b/DataScienceGuidedCapstone/Step Six - Documentation/Guided Capstone Project Report.pptx
@@ -444,12 +444,12 @@
         <c:gapWidth val="150"/>
         <c:gapDepth val="0"/>
         <c:shape val="box"/>
-        <c:axId val="542488952"/>
-        <c:axId val="542493264"/>
+        <c:axId val="479295848"/>
+        <c:axId val="479296240"/>
         <c:axId val="0"/>
       </c:bar3DChart>
       <c:catAx>
-        <c:axId val="542488952"/>
+        <c:axId val="479295848"/>
         <c:scaling>
           <c:orientation val="minMax"/>
         </c:scaling>
@@ -483,7 +483,7 @@
             <a:endParaRPr lang="en-US"/>
           </a:p>
         </c:txPr>
-        <c:crossAx val="542493264"/>
+        <c:crossAx val="479296240"/>
         <c:crosses val="autoZero"/>
         <c:auto val="1"/>
         <c:lblAlgn val="ctr"/>
@@ -491,7 +491,7 @@
         <c:noMultiLvlLbl val="0"/>
       </c:catAx>
       <c:valAx>
-        <c:axId val="542493264"/>
+        <c:axId val="479296240"/>
         <c:scaling>
           <c:orientation val="minMax"/>
           <c:min val="0"/>
@@ -540,7 +540,7 @@
             <a:endParaRPr lang="en-US"/>
           </a:p>
         </c:txPr>
-        <c:crossAx val="542488952"/>
+        <c:crossAx val="479295848"/>
         <c:crosses val="autoZero"/>
         <c:crossBetween val="between"/>
       </c:valAx>
@@ -905,12 +905,12 @@
         <c:gapWidth val="150"/>
         <c:gapDepth val="0"/>
         <c:shape val="box"/>
-        <c:axId val="542511296"/>
-        <c:axId val="542499928"/>
+        <c:axId val="479297024"/>
+        <c:axId val="479296632"/>
         <c:axId val="0"/>
       </c:bar3DChart>
       <c:catAx>
-        <c:axId val="542511296"/>
+        <c:axId val="479297024"/>
         <c:scaling>
           <c:orientation val="minMax"/>
         </c:scaling>
@@ -944,7 +944,7 @@
             <a:endParaRPr lang="en-US"/>
           </a:p>
         </c:txPr>
-        <c:crossAx val="542499928"/>
+        <c:crossAx val="479296632"/>
         <c:crosses val="autoZero"/>
         <c:auto val="1"/>
         <c:lblAlgn val="ctr"/>
@@ -952,7 +952,7 @@
         <c:noMultiLvlLbl val="0"/>
       </c:catAx>
       <c:valAx>
-        <c:axId val="542499928"/>
+        <c:axId val="479296632"/>
         <c:scaling>
           <c:orientation val="minMax"/>
           <c:min val="0"/>
@@ -1001,7 +1001,7 @@
             <a:endParaRPr lang="en-US"/>
           </a:p>
         </c:txPr>
-        <c:crossAx val="542511296"/>
+        <c:crossAx val="479297024"/>
         <c:crosses val="autoZero"/>
         <c:crossBetween val="between"/>
       </c:valAx>
@@ -1282,11 +1282,11 @@
         </c:dLbls>
         <c:marker val="1"/>
         <c:smooth val="0"/>
-        <c:axId val="544681056"/>
-        <c:axId val="544683016"/>
+        <c:axId val="479297416"/>
+        <c:axId val="479288008"/>
       </c:lineChart>
       <c:catAx>
-        <c:axId val="544681056"/>
+        <c:axId val="479297416"/>
         <c:scaling>
           <c:orientation val="minMax"/>
         </c:scaling>
@@ -1329,7 +1329,7 @@
             <a:endParaRPr lang="en-US"/>
           </a:p>
         </c:txPr>
-        <c:crossAx val="544683016"/>
+        <c:crossAx val="479288008"/>
         <c:crosses val="autoZero"/>
         <c:auto val="1"/>
         <c:lblAlgn val="ctr"/>
@@ -1337,7 +1337,7 @@
         <c:noMultiLvlLbl val="0"/>
       </c:catAx>
       <c:valAx>
-        <c:axId val="544683016"/>
+        <c:axId val="479288008"/>
         <c:scaling>
           <c:orientation val="minMax"/>
           <c:max val="81"/>
@@ -1390,7 +1390,7 @@
             <a:endParaRPr lang="en-US"/>
           </a:p>
         </c:txPr>
-        <c:crossAx val="544681056"/>
+        <c:crossAx val="479297416"/>
         <c:crosses val="autoZero"/>
         <c:crossBetween val="between"/>
       </c:valAx>
@@ -1629,12 +1629,12 @@
         </c:dLbls>
         <c:gapWidth val="150"/>
         <c:shape val="box"/>
-        <c:axId val="542489736"/>
-        <c:axId val="542498752"/>
+        <c:axId val="479291144"/>
+        <c:axId val="479286048"/>
         <c:axId val="0"/>
       </c:bar3DChart>
       <c:catAx>
-        <c:axId val="542489736"/>
+        <c:axId val="479291144"/>
         <c:scaling>
           <c:orientation val="minMax"/>
         </c:scaling>
@@ -1668,7 +1668,7 @@
             <a:endParaRPr lang="en-US"/>
           </a:p>
         </c:txPr>
-        <c:crossAx val="542498752"/>
+        <c:crossAx val="479286048"/>
         <c:crosses val="autoZero"/>
         <c:auto val="1"/>
         <c:lblAlgn val="ctr"/>
@@ -1676,7 +1676,7 @@
         <c:noMultiLvlLbl val="0"/>
       </c:catAx>
       <c:valAx>
-        <c:axId val="542498752"/>
+        <c:axId val="479286048"/>
         <c:scaling>
           <c:orientation val="minMax"/>
           <c:min val="0"/>
@@ -1725,7 +1725,7 @@
             <a:endParaRPr lang="en-US"/>
           </a:p>
         </c:txPr>
-        <c:crossAx val="542489736"/>
+        <c:crossAx val="479291144"/>
         <c:crosses val="autoZero"/>
         <c:crossBetween val="between"/>
       </c:valAx>
@@ -1965,12 +1965,12 @@
         </c:dLbls>
         <c:gapWidth val="150"/>
         <c:shape val="box"/>
-        <c:axId val="488603072"/>
-        <c:axId val="488603464"/>
+        <c:axId val="479289576"/>
+        <c:axId val="479282520"/>
         <c:axId val="0"/>
       </c:bar3DChart>
       <c:catAx>
-        <c:axId val="488603072"/>
+        <c:axId val="479289576"/>
         <c:scaling>
           <c:orientation val="minMax"/>
         </c:scaling>
@@ -2004,7 +2004,7 @@
             <a:endParaRPr lang="en-US"/>
           </a:p>
         </c:txPr>
-        <c:crossAx val="488603464"/>
+        <c:crossAx val="479282520"/>
         <c:crosses val="autoZero"/>
         <c:auto val="1"/>
         <c:lblAlgn val="ctr"/>
@@ -2012,7 +2012,7 @@
         <c:noMultiLvlLbl val="0"/>
       </c:catAx>
       <c:valAx>
-        <c:axId val="488603464"/>
+        <c:axId val="479282520"/>
         <c:scaling>
           <c:orientation val="minMax"/>
           <c:min val="0"/>
@@ -2061,7 +2061,7 @@
             <a:endParaRPr lang="en-US"/>
           </a:p>
         </c:txPr>
-        <c:crossAx val="488603072"/>
+        <c:crossAx val="479289576"/>
         <c:crosses val="autoZero"/>
         <c:crossBetween val="between"/>
       </c:valAx>
@@ -2307,12 +2307,12 @@
         </c:dLbls>
         <c:gapWidth val="150"/>
         <c:shape val="box"/>
-        <c:axId val="544677920"/>
-        <c:axId val="544678312"/>
+        <c:axId val="479283696"/>
+        <c:axId val="479290360"/>
         <c:axId val="0"/>
       </c:bar3DChart>
       <c:catAx>
-        <c:axId val="544677920"/>
+        <c:axId val="479283696"/>
         <c:scaling>
           <c:orientation val="minMax"/>
         </c:scaling>
@@ -2349,7 +2349,7 @@
             <a:endParaRPr lang="en-US"/>
           </a:p>
         </c:txPr>
-        <c:crossAx val="544678312"/>
+        <c:crossAx val="479290360"/>
         <c:crosses val="autoZero"/>
         <c:auto val="1"/>
         <c:lblAlgn val="ctr"/>
@@ -2357,7 +2357,7 @@
         <c:noMultiLvlLbl val="0"/>
       </c:catAx>
       <c:valAx>
-        <c:axId val="544678312"/>
+        <c:axId val="479290360"/>
         <c:scaling>
           <c:orientation val="minMax"/>
         </c:scaling>
@@ -2408,7 +2408,7 @@
             <a:endParaRPr lang="en-US"/>
           </a:p>
         </c:txPr>
-        <c:crossAx val="544677920"/>
+        <c:crossAx val="479283696"/>
         <c:crosses val="autoZero"/>
         <c:crossBetween val="between"/>
       </c:valAx>
@@ -22515,11 +22515,6 @@
               </a:rPr>
               <a:t>Executive Summary</a:t>
             </a:r>
-            <a:endParaRPr lang="en-US" sz="1200" dirty="0" smtClean="0">
-              <a:latin typeface="Open Sans" panose="020B0606030504020204" pitchFamily="34" charset="0"/>
-              <a:ea typeface="Open Sans" panose="020B0606030504020204" pitchFamily="34" charset="0"/>
-              <a:cs typeface="Open Sans" panose="020B0606030504020204" pitchFamily="34" charset="0"/>
-            </a:endParaRPr>
           </a:p>
           <a:p>
             <a:r>
@@ -22530,11 +22525,6 @@
               </a:rPr>
               <a:t>Key Findings</a:t>
             </a:r>
-            <a:endParaRPr lang="en-US" sz="1200" dirty="0" smtClean="0">
-              <a:latin typeface="Open Sans" panose="020B0606030504020204" pitchFamily="34" charset="0"/>
-              <a:ea typeface="Open Sans" panose="020B0606030504020204" pitchFamily="34" charset="0"/>
-              <a:cs typeface="Open Sans" panose="020B0606030504020204" pitchFamily="34" charset="0"/>
-            </a:endParaRPr>
           </a:p>
           <a:p>
             <a:r>
@@ -22545,11 +22535,6 @@
               </a:rPr>
               <a:t>Methods</a:t>
             </a:r>
-            <a:endParaRPr lang="en-US" sz="1200" dirty="0" smtClean="0">
-              <a:latin typeface="Open Sans" panose="020B0606030504020204" pitchFamily="34" charset="0"/>
-              <a:ea typeface="Open Sans" panose="020B0606030504020204" pitchFamily="34" charset="0"/>
-              <a:cs typeface="Open Sans" panose="020B0606030504020204" pitchFamily="34" charset="0"/>
-            </a:endParaRPr>
           </a:p>
           <a:p>
             <a:r>
@@ -22929,7 +22914,6 @@
               <a:rPr lang="en-US" dirty="0"/>
               <a:t>September 12, 2020</a:t>
             </a:r>
-            <a:endParaRPr lang="en-US" dirty="0"/>
           </a:p>
         </p:txBody>
       </p:sp>
@@ -23193,7 +23177,6 @@
               <a:rPr lang="en-US" dirty="0"/>
               <a:t>September 12, 2020</a:t>
             </a:r>
-            <a:endParaRPr lang="en-US" dirty="0"/>
           </a:p>
         </p:txBody>
       </p:sp>
@@ -23316,7 +23299,6 @@
               <a:rPr lang="en-US" dirty="0"/>
               <a:t>September 12, 2020</a:t>
             </a:r>
-            <a:endParaRPr lang="en-US" dirty="0"/>
           </a:p>
         </p:txBody>
       </p:sp>
@@ -23538,7 +23520,6 @@
               <a:rPr lang="en-US" dirty="0"/>
               <a:t>September 12, 2020</a:t>
             </a:r>
-            <a:endParaRPr lang="en-US" dirty="0"/>
           </a:p>
         </p:txBody>
       </p:sp>
@@ -23666,7 +23647,6 @@
               <a:rPr lang="en-US" dirty="0"/>
               <a:t>September 12, 2020</a:t>
             </a:r>
-            <a:endParaRPr lang="en-US" dirty="0"/>
           </a:p>
         </p:txBody>
       </p:sp>
@@ -23855,7 +23835,6 @@
               <a:rPr lang="en-US" dirty="0"/>
               <a:t>September 12, 2020</a:t>
             </a:r>
-            <a:endParaRPr lang="en-US" dirty="0"/>
           </a:p>
         </p:txBody>
       </p:sp>
@@ -24136,7 +24115,26 @@
           <a:p>
             <a:r>
               <a:rPr lang="en-US" dirty="0" smtClean="0"/>
-              <a:t>This slide intentionally left blank.</a:t>
+              <a:t>Project summary report is available </a:t>
+            </a:r>
+            <a:r>
+              <a:rPr lang="en-US" smtClean="0"/>
+              <a:t>at:</a:t>
+            </a:r>
+          </a:p>
+          <a:p>
+            <a:pPr lvl="1"/>
+            <a:r>
+              <a:rPr lang="en-US" smtClean="0"/>
+              <a:t>https</a:t>
+            </a:r>
+            <a:r>
+              <a:rPr lang="en-US" dirty="0"/>
+              <a:t>://github.com/john-james-sf/Springboard/blob/master/DataScienceGuidedCapstone/Step%20Six%20-%</a:t>
+            </a:r>
+            <a:r>
+              <a:rPr lang="en-US" dirty="0" smtClean="0"/>
+              <a:t>20Documentation/Guided%20Capstone%20Project%20Report.pdf</a:t>
             </a:r>
             <a:endParaRPr lang="en-US" dirty="0"/>
           </a:p>
